--- a/140. Custom Validation.pptx
+++ b/140. Custom Validation.pptx
@@ -3615,7 +3615,7 @@
         </p:nvSpPr>
         <p:spPr>
           <a:xfrm>
-            <a:off x="11370365" y="6480313"/>
+            <a:off x="11370365" y="6493565"/>
             <a:ext cx="728870" cy="265044"/>
           </a:xfrm>
           <a:prstGeom prst="rect">
